--- a/resources/class03/03-impossible-programs.pptx
+++ b/resources/class03/03-impossible-programs.pptx
@@ -263,7 +263,7 @@
           <a:p>
             <a:fld id="{A010F4E5-94B8-476A-8D67-828A070400D5}" type="datetimeFigureOut">
               <a:rPr lang="en-US" smtClean="0"/>
-              <a:t>2/1/2021</a:t>
+              <a:t>1/30/2023</a:t>
             </a:fld>
             <a:endParaRPr lang="en-US"/>
           </a:p>
@@ -431,7 +431,7 @@
           <a:p>
             <a:fld id="{A010F4E5-94B8-476A-8D67-828A070400D5}" type="datetimeFigureOut">
               <a:rPr lang="en-US" smtClean="0"/>
-              <a:t>2/1/2021</a:t>
+              <a:t>1/30/2023</a:t>
             </a:fld>
             <a:endParaRPr lang="en-US"/>
           </a:p>
@@ -609,7 +609,7 @@
           <a:p>
             <a:fld id="{A010F4E5-94B8-476A-8D67-828A070400D5}" type="datetimeFigureOut">
               <a:rPr lang="en-US" smtClean="0"/>
-              <a:t>2/1/2021</a:t>
+              <a:t>1/30/2023</a:t>
             </a:fld>
             <a:endParaRPr lang="en-US"/>
           </a:p>
@@ -777,7 +777,7 @@
           <a:p>
             <a:fld id="{A010F4E5-94B8-476A-8D67-828A070400D5}" type="datetimeFigureOut">
               <a:rPr lang="en-US" smtClean="0"/>
-              <a:t>2/1/2021</a:t>
+              <a:t>1/30/2023</a:t>
             </a:fld>
             <a:endParaRPr lang="en-US"/>
           </a:p>
@@ -1022,7 +1022,7 @@
           <a:p>
             <a:fld id="{A010F4E5-94B8-476A-8D67-828A070400D5}" type="datetimeFigureOut">
               <a:rPr lang="en-US" smtClean="0"/>
-              <a:t>2/1/2021</a:t>
+              <a:t>1/30/2023</a:t>
             </a:fld>
             <a:endParaRPr lang="en-US"/>
           </a:p>
@@ -1251,7 +1251,7 @@
           <a:p>
             <a:fld id="{A010F4E5-94B8-476A-8D67-828A070400D5}" type="datetimeFigureOut">
               <a:rPr lang="en-US" smtClean="0"/>
-              <a:t>2/1/2021</a:t>
+              <a:t>1/30/2023</a:t>
             </a:fld>
             <a:endParaRPr lang="en-US"/>
           </a:p>
@@ -1615,7 +1615,7 @@
           <a:p>
             <a:fld id="{A010F4E5-94B8-476A-8D67-828A070400D5}" type="datetimeFigureOut">
               <a:rPr lang="en-US" smtClean="0"/>
-              <a:t>2/1/2021</a:t>
+              <a:t>1/30/2023</a:t>
             </a:fld>
             <a:endParaRPr lang="en-US"/>
           </a:p>
@@ -1732,7 +1732,7 @@
           <a:p>
             <a:fld id="{A010F4E5-94B8-476A-8D67-828A070400D5}" type="datetimeFigureOut">
               <a:rPr lang="en-US" smtClean="0"/>
-              <a:t>2/1/2021</a:t>
+              <a:t>1/30/2023</a:t>
             </a:fld>
             <a:endParaRPr lang="en-US"/>
           </a:p>
@@ -1827,7 +1827,7 @@
           <a:p>
             <a:fld id="{A010F4E5-94B8-476A-8D67-828A070400D5}" type="datetimeFigureOut">
               <a:rPr lang="en-US" smtClean="0"/>
-              <a:t>2/1/2021</a:t>
+              <a:t>1/30/2023</a:t>
             </a:fld>
             <a:endParaRPr lang="en-US"/>
           </a:p>
@@ -2102,7 +2102,7 @@
           <a:p>
             <a:fld id="{A010F4E5-94B8-476A-8D67-828A070400D5}" type="datetimeFigureOut">
               <a:rPr lang="en-US" smtClean="0"/>
-              <a:t>2/1/2021</a:t>
+              <a:t>1/30/2023</a:t>
             </a:fld>
             <a:endParaRPr lang="en-US"/>
           </a:p>
@@ -2354,7 +2354,7 @@
           <a:p>
             <a:fld id="{A010F4E5-94B8-476A-8D67-828A070400D5}" type="datetimeFigureOut">
               <a:rPr lang="en-US" smtClean="0"/>
-              <a:t>2/1/2021</a:t>
+              <a:t>1/30/2023</a:t>
             </a:fld>
             <a:endParaRPr lang="en-US"/>
           </a:p>
@@ -2565,7 +2565,7 @@
           <a:p>
             <a:fld id="{A010F4E5-94B8-476A-8D67-828A070400D5}" type="datetimeFigureOut">
               <a:rPr lang="en-US" smtClean="0"/>
-              <a:t>2/1/2021</a:t>
+              <a:t>1/30/2023</a:t>
             </a:fld>
             <a:endParaRPr lang="en-US"/>
           </a:p>
@@ -2987,7 +2987,15 @@
           <a:p>
             <a:r>
               <a:rPr lang="en-US" dirty="0"/>
-              <a:t>2. Some impossible programs</a:t>
+              <a:t>3</a:t>
+            </a:r>
+            <a:r>
+              <a:rPr lang="en-US"/>
+              <a:t>. </a:t>
+            </a:r>
+            <a:r>
+              <a:rPr lang="en-US" dirty="0"/>
+              <a:t>Some impossible programs</a:t>
             </a:r>
           </a:p>
         </p:txBody>
